--- a/画图/图.pptx
+++ b/画图/图.pptx
@@ -272,7 +272,7 @@
           <a:p>
             <a:fld id="{CA43BE30-0EA5-49D8-B62C-33D657DBDF47}" type="datetimeFigureOut">
               <a:rPr lang="zh-CN" altLang="en-US" smtClean="0"/>
-              <a:t>2020/5/25</a:t>
+              <a:t>2020/12/3</a:t>
             </a:fld>
             <a:endParaRPr lang="zh-CN" altLang="en-US"/>
           </a:p>
@@ -470,7 +470,7 @@
           <a:p>
             <a:fld id="{CA43BE30-0EA5-49D8-B62C-33D657DBDF47}" type="datetimeFigureOut">
               <a:rPr lang="zh-CN" altLang="en-US" smtClean="0"/>
-              <a:t>2020/5/25</a:t>
+              <a:t>2020/12/3</a:t>
             </a:fld>
             <a:endParaRPr lang="zh-CN" altLang="en-US"/>
           </a:p>
@@ -678,7 +678,7 @@
           <a:p>
             <a:fld id="{CA43BE30-0EA5-49D8-B62C-33D657DBDF47}" type="datetimeFigureOut">
               <a:rPr lang="zh-CN" altLang="en-US" smtClean="0"/>
-              <a:t>2020/5/25</a:t>
+              <a:t>2020/12/3</a:t>
             </a:fld>
             <a:endParaRPr lang="zh-CN" altLang="en-US"/>
           </a:p>
@@ -876,7 +876,7 @@
           <a:p>
             <a:fld id="{CA43BE30-0EA5-49D8-B62C-33D657DBDF47}" type="datetimeFigureOut">
               <a:rPr lang="zh-CN" altLang="en-US" smtClean="0"/>
-              <a:t>2020/5/25</a:t>
+              <a:t>2020/12/3</a:t>
             </a:fld>
             <a:endParaRPr lang="zh-CN" altLang="en-US"/>
           </a:p>
@@ -1151,7 +1151,7 @@
           <a:p>
             <a:fld id="{CA43BE30-0EA5-49D8-B62C-33D657DBDF47}" type="datetimeFigureOut">
               <a:rPr lang="zh-CN" altLang="en-US" smtClean="0"/>
-              <a:t>2020/5/25</a:t>
+              <a:t>2020/12/3</a:t>
             </a:fld>
             <a:endParaRPr lang="zh-CN" altLang="en-US"/>
           </a:p>
@@ -1416,7 +1416,7 @@
           <a:p>
             <a:fld id="{CA43BE30-0EA5-49D8-B62C-33D657DBDF47}" type="datetimeFigureOut">
               <a:rPr lang="zh-CN" altLang="en-US" smtClean="0"/>
-              <a:t>2020/5/25</a:t>
+              <a:t>2020/12/3</a:t>
             </a:fld>
             <a:endParaRPr lang="zh-CN" altLang="en-US"/>
           </a:p>
@@ -1828,7 +1828,7 @@
           <a:p>
             <a:fld id="{CA43BE30-0EA5-49D8-B62C-33D657DBDF47}" type="datetimeFigureOut">
               <a:rPr lang="zh-CN" altLang="en-US" smtClean="0"/>
-              <a:t>2020/5/25</a:t>
+              <a:t>2020/12/3</a:t>
             </a:fld>
             <a:endParaRPr lang="zh-CN" altLang="en-US"/>
           </a:p>
@@ -1969,7 +1969,7 @@
           <a:p>
             <a:fld id="{CA43BE30-0EA5-49D8-B62C-33D657DBDF47}" type="datetimeFigureOut">
               <a:rPr lang="zh-CN" altLang="en-US" smtClean="0"/>
-              <a:t>2020/5/25</a:t>
+              <a:t>2020/12/3</a:t>
             </a:fld>
             <a:endParaRPr lang="zh-CN" altLang="en-US"/>
           </a:p>
@@ -2082,7 +2082,7 @@
           <a:p>
             <a:fld id="{CA43BE30-0EA5-49D8-B62C-33D657DBDF47}" type="datetimeFigureOut">
               <a:rPr lang="zh-CN" altLang="en-US" smtClean="0"/>
-              <a:t>2020/5/25</a:t>
+              <a:t>2020/12/3</a:t>
             </a:fld>
             <a:endParaRPr lang="zh-CN" altLang="en-US"/>
           </a:p>
@@ -2393,7 +2393,7 @@
           <a:p>
             <a:fld id="{CA43BE30-0EA5-49D8-B62C-33D657DBDF47}" type="datetimeFigureOut">
               <a:rPr lang="zh-CN" altLang="en-US" smtClean="0"/>
-              <a:t>2020/5/25</a:t>
+              <a:t>2020/12/3</a:t>
             </a:fld>
             <a:endParaRPr lang="zh-CN" altLang="en-US"/>
           </a:p>
@@ -2681,7 +2681,7 @@
           <a:p>
             <a:fld id="{CA43BE30-0EA5-49D8-B62C-33D657DBDF47}" type="datetimeFigureOut">
               <a:rPr lang="zh-CN" altLang="en-US" smtClean="0"/>
-              <a:t>2020/5/25</a:t>
+              <a:t>2020/12/3</a:t>
             </a:fld>
             <a:endParaRPr lang="zh-CN" altLang="en-US"/>
           </a:p>
@@ -2922,7 +2922,7 @@
           <a:p>
             <a:fld id="{CA43BE30-0EA5-49D8-B62C-33D657DBDF47}" type="datetimeFigureOut">
               <a:rPr lang="zh-CN" altLang="en-US" smtClean="0"/>
-              <a:t>2020/5/25</a:t>
+              <a:t>2020/12/3</a:t>
             </a:fld>
             <a:endParaRPr lang="zh-CN" altLang="en-US"/>
           </a:p>
@@ -4100,10 +4100,10 @@
       </p:grpSpPr>
       <p:pic>
         <p:nvPicPr>
-          <p:cNvPr id="4" name="图片 10">
-            <a:extLst>
-              <a:ext uri="{FF2B5EF4-FFF2-40B4-BE49-F238E27FC236}">
-                <a16:creationId xmlns:a16="http://schemas.microsoft.com/office/drawing/2014/main" id="{213F2EC8-BD82-4D34-A550-3BAA2DC15213}"/>
+          <p:cNvPr id="1034" name="图片 4">
+            <a:extLst>
+              <a:ext uri="{FF2B5EF4-FFF2-40B4-BE49-F238E27FC236}">
+                <a16:creationId xmlns:a16="http://schemas.microsoft.com/office/drawing/2014/main" id="{0785563F-D927-47E8-B090-1A0668721DFB}"/>
               </a:ext>
             </a:extLst>
           </p:cNvPr>
@@ -4127,8 +4127,8 @@
         </p:blipFill>
         <p:spPr bwMode="auto">
           <a:xfrm>
-            <a:off x="2272683" y="1637930"/>
-            <a:ext cx="1076325" cy="1057275"/>
+            <a:off x="2956079" y="1495426"/>
+            <a:ext cx="1143000" cy="1057275"/>
           </a:xfrm>
           <a:prstGeom prst="rect">
             <a:avLst/>
@@ -4147,10 +4147,10 @@
       </p:pic>
       <p:pic>
         <p:nvPicPr>
-          <p:cNvPr id="5" name="图片 11">
-            <a:extLst>
-              <a:ext uri="{FF2B5EF4-FFF2-40B4-BE49-F238E27FC236}">
-                <a16:creationId xmlns:a16="http://schemas.microsoft.com/office/drawing/2014/main" id="{5CA78B40-C177-4DEB-A943-5227FDF70FDF}"/>
+          <p:cNvPr id="1033" name="图片 6">
+            <a:extLst>
+              <a:ext uri="{FF2B5EF4-FFF2-40B4-BE49-F238E27FC236}">
+                <a16:creationId xmlns:a16="http://schemas.microsoft.com/office/drawing/2014/main" id="{39BABF6C-CC42-4526-A028-ECF875901035}"/>
               </a:ext>
             </a:extLst>
           </p:cNvPr>
@@ -4174,8 +4174,8 @@
         </p:blipFill>
         <p:spPr bwMode="auto">
           <a:xfrm>
-            <a:off x="3435658" y="1683148"/>
-            <a:ext cx="1076675" cy="1057275"/>
+            <a:off x="633921" y="1514475"/>
+            <a:ext cx="1123950" cy="1143000"/>
           </a:xfrm>
           <a:prstGeom prst="rect">
             <a:avLst/>
@@ -4194,10 +4194,10 @@
       </p:pic>
       <p:pic>
         <p:nvPicPr>
-          <p:cNvPr id="6" name="图片 12">
-            <a:extLst>
-              <a:ext uri="{FF2B5EF4-FFF2-40B4-BE49-F238E27FC236}">
-                <a16:creationId xmlns:a16="http://schemas.microsoft.com/office/drawing/2014/main" id="{920C4C55-CA36-42A2-92E0-6B0C0F5EEF79}"/>
+          <p:cNvPr id="1032" name="图片 2">
+            <a:extLst>
+              <a:ext uri="{FF2B5EF4-FFF2-40B4-BE49-F238E27FC236}">
+                <a16:creationId xmlns:a16="http://schemas.microsoft.com/office/drawing/2014/main" id="{711EA1B0-B2B8-4E3B-9F12-52625970E48B}"/>
               </a:ext>
             </a:extLst>
           </p:cNvPr>
@@ -4221,8 +4221,8 @@
         </p:blipFill>
         <p:spPr bwMode="auto">
           <a:xfrm>
-            <a:off x="4566679" y="1670293"/>
-            <a:ext cx="1057275" cy="1047750"/>
+            <a:off x="1833100" y="1533525"/>
+            <a:ext cx="1047750" cy="1123950"/>
           </a:xfrm>
           <a:prstGeom prst="rect">
             <a:avLst/>
@@ -4239,6 +4239,362 @@
           </a:extLst>
         </p:spPr>
       </p:pic>
+      <p:sp>
+        <p:nvSpPr>
+          <p:cNvPr id="9" name="Rectangle 11">
+            <a:extLst>
+              <a:ext uri="{FF2B5EF4-FFF2-40B4-BE49-F238E27FC236}">
+                <a16:creationId xmlns:a16="http://schemas.microsoft.com/office/drawing/2014/main" id="{95B76271-9B68-48C8-97EF-01CDFD42F4E5}"/>
+              </a:ext>
+            </a:extLst>
+          </p:cNvPr>
+          <p:cNvSpPr>
+            <a:spLocks noChangeArrowheads="1"/>
+          </p:cNvSpPr>
+          <p:nvPr/>
+        </p:nvSpPr>
+        <p:spPr bwMode="auto">
+          <a:xfrm>
+            <a:off x="0" y="0"/>
+            <a:ext cx="12192000" cy="457200"/>
+          </a:xfrm>
+          <a:prstGeom prst="rect">
+            <a:avLst/>
+          </a:prstGeom>
+          <a:noFill/>
+          <a:ln>
+            <a:noFill/>
+          </a:ln>
+          <a:effectLst/>
+          <a:extLst>
+            <a:ext uri="{909E8E84-426E-40DD-AFC4-6F175D3DCCD1}">
+              <a14:hiddenFill xmlns:a14="http://schemas.microsoft.com/office/drawing/2010/main">
+                <a:solidFill>
+                  <a:schemeClr val="accent1"/>
+                </a:solidFill>
+              </a14:hiddenFill>
+            </a:ext>
+            <a:ext uri="{91240B29-F687-4F45-9708-019B960494DF}">
+              <a14:hiddenLine xmlns:a14="http://schemas.microsoft.com/office/drawing/2010/main" w="9525">
+                <a:solidFill>
+                  <a:schemeClr val="tx1"/>
+                </a:solidFill>
+                <a:miter lim="800000"/>
+                <a:headEnd/>
+                <a:tailEnd/>
+              </a14:hiddenLine>
+            </a:ext>
+            <a:ext uri="{AF507438-7753-43E0-B8FC-AC1667EBCBE1}">
+              <a14:hiddenEffects xmlns:a14="http://schemas.microsoft.com/office/drawing/2010/main">
+                <a:effectLst>
+                  <a:outerShdw dist="35921" dir="2700000" algn="ctr" rotWithShape="0">
+                    <a:schemeClr val="bg2"/>
+                  </a:outerShdw>
+                </a:effectLst>
+              </a14:hiddenEffects>
+            </a:ext>
+          </a:extLst>
+        </p:spPr>
+        <p:txBody>
+          <a:bodyPr vert="horz" wrap="none" lIns="91440" tIns="45720" rIns="91440" bIns="45720" numCol="1" anchor="ctr" anchorCtr="0" compatLnSpc="1">
+            <a:prstTxWarp prst="textNoShape">
+              <a:avLst/>
+            </a:prstTxWarp>
+            <a:spAutoFit/>
+          </a:bodyPr>
+          <a:lstStyle/>
+          <a:p>
+            <a:endParaRPr lang="zh-CN" altLang="en-US"/>
+          </a:p>
+        </p:txBody>
+      </p:sp>
+      <p:sp>
+        <p:nvSpPr>
+          <p:cNvPr id="10" name="Rectangle 12">
+            <a:extLst>
+              <a:ext uri="{FF2B5EF4-FFF2-40B4-BE49-F238E27FC236}">
+                <a16:creationId xmlns:a16="http://schemas.microsoft.com/office/drawing/2014/main" id="{89D7E3AF-F22E-4F11-A5BC-241C345A382D}"/>
+              </a:ext>
+            </a:extLst>
+          </p:cNvPr>
+          <p:cNvSpPr>
+            <a:spLocks noChangeArrowheads="1"/>
+          </p:cNvSpPr>
+          <p:nvPr/>
+        </p:nvSpPr>
+        <p:spPr bwMode="auto">
+          <a:xfrm>
+            <a:off x="0" y="1514475"/>
+            <a:ext cx="12192000" cy="0"/>
+          </a:xfrm>
+          <a:prstGeom prst="rect">
+            <a:avLst/>
+          </a:prstGeom>
+          <a:noFill/>
+          <a:ln>
+            <a:noFill/>
+          </a:ln>
+          <a:effectLst/>
+          <a:extLst>
+            <a:ext uri="{909E8E84-426E-40DD-AFC4-6F175D3DCCD1}">
+              <a14:hiddenFill xmlns:a14="http://schemas.microsoft.com/office/drawing/2010/main">
+                <a:solidFill>
+                  <a:schemeClr val="accent1"/>
+                </a:solidFill>
+              </a14:hiddenFill>
+            </a:ext>
+            <a:ext uri="{91240B29-F687-4F45-9708-019B960494DF}">
+              <a14:hiddenLine xmlns:a14="http://schemas.microsoft.com/office/drawing/2010/main" w="9525">
+                <a:solidFill>
+                  <a:schemeClr val="tx1"/>
+                </a:solidFill>
+                <a:miter lim="800000"/>
+                <a:headEnd/>
+                <a:tailEnd/>
+              </a14:hiddenLine>
+            </a:ext>
+            <a:ext uri="{AF507438-7753-43E0-B8FC-AC1667EBCBE1}">
+              <a14:hiddenEffects xmlns:a14="http://schemas.microsoft.com/office/drawing/2010/main">
+                <a:effectLst>
+                  <a:outerShdw dist="35921" dir="2700000" algn="ctr" rotWithShape="0">
+                    <a:schemeClr val="bg2"/>
+                  </a:outerShdw>
+                </a:effectLst>
+              </a14:hiddenEffects>
+            </a:ext>
+          </a:extLst>
+        </p:spPr>
+        <p:txBody>
+          <a:bodyPr vert="horz" wrap="none" lIns="91440" tIns="45720" rIns="91440" bIns="45720" numCol="1" anchor="ctr" anchorCtr="0" compatLnSpc="1">
+            <a:prstTxWarp prst="textNoShape">
+              <a:avLst/>
+            </a:prstTxWarp>
+            <a:spAutoFit/>
+          </a:bodyPr>
+          <a:lstStyle/>
+          <a:p>
+            <a:pPr marL="0" marR="0" lvl="0" indent="0" algn="l" defTabSz="914400" rtl="0" eaLnBrk="0" fontAlgn="base" latinLnBrk="0" hangingPunct="0">
+              <a:lnSpc>
+                <a:spcPct val="100000"/>
+              </a:lnSpc>
+              <a:spcBef>
+                <a:spcPct val="0"/>
+              </a:spcBef>
+              <a:spcAft>
+                <a:spcPct val="0"/>
+              </a:spcAft>
+              <a:buClrTx/>
+              <a:buSzTx/>
+              <a:buFontTx/>
+              <a:buNone/>
+              <a:tabLst/>
+            </a:pPr>
+            <a:r>
+              <a:rPr kumimoji="0" lang="en-US" altLang="zh-CN" sz="1000" b="0" i="0" u="none" strike="noStrike" cap="none" normalizeH="0" baseline="0">
+                <a:ln>
+                  <a:noFill/>
+                </a:ln>
+                <a:solidFill>
+                  <a:schemeClr val="tx1"/>
+                </a:solidFill>
+                <a:effectLst/>
+                <a:latin typeface="等线" panose="02010600030101010101" pitchFamily="2" charset="-122"/>
+                <a:ea typeface="等线" panose="02010600030101010101" pitchFamily="2" charset="-122"/>
+                <a:cs typeface="Times New Roman" panose="02020603050405020304" pitchFamily="18" charset="0"/>
+              </a:rPr>
+              <a:t> </a:t>
+            </a:r>
+            <a:endParaRPr kumimoji="0" lang="en-US" altLang="zh-CN" sz="1800" b="0" i="0" u="none" strike="noStrike" cap="none" normalizeH="0" baseline="0">
+              <a:ln>
+                <a:noFill/>
+              </a:ln>
+              <a:solidFill>
+                <a:schemeClr val="tx1"/>
+              </a:solidFill>
+              <a:effectLst/>
+              <a:latin typeface="Arial" panose="020B0604020202020204" pitchFamily="34" charset="0"/>
+            </a:endParaRPr>
+          </a:p>
+        </p:txBody>
+      </p:sp>
+      <p:sp>
+        <p:nvSpPr>
+          <p:cNvPr id="11" name="Rectangle 13">
+            <a:extLst>
+              <a:ext uri="{FF2B5EF4-FFF2-40B4-BE49-F238E27FC236}">
+                <a16:creationId xmlns:a16="http://schemas.microsoft.com/office/drawing/2014/main" id="{D2938602-324A-4483-8711-7B79C2BBD12A}"/>
+              </a:ext>
+            </a:extLst>
+          </p:cNvPr>
+          <p:cNvSpPr>
+            <a:spLocks noChangeArrowheads="1"/>
+          </p:cNvSpPr>
+          <p:nvPr/>
+        </p:nvSpPr>
+        <p:spPr bwMode="auto">
+          <a:xfrm>
+            <a:off x="0" y="2657475"/>
+            <a:ext cx="12192000" cy="0"/>
+          </a:xfrm>
+          <a:prstGeom prst="rect">
+            <a:avLst/>
+          </a:prstGeom>
+          <a:noFill/>
+          <a:ln>
+            <a:noFill/>
+          </a:ln>
+          <a:effectLst/>
+          <a:extLst>
+            <a:ext uri="{909E8E84-426E-40DD-AFC4-6F175D3DCCD1}">
+              <a14:hiddenFill xmlns:a14="http://schemas.microsoft.com/office/drawing/2010/main">
+                <a:solidFill>
+                  <a:schemeClr val="accent1"/>
+                </a:solidFill>
+              </a14:hiddenFill>
+            </a:ext>
+            <a:ext uri="{91240B29-F687-4F45-9708-019B960494DF}">
+              <a14:hiddenLine xmlns:a14="http://schemas.microsoft.com/office/drawing/2010/main" w="9525">
+                <a:solidFill>
+                  <a:schemeClr val="tx1"/>
+                </a:solidFill>
+                <a:miter lim="800000"/>
+                <a:headEnd/>
+                <a:tailEnd/>
+              </a14:hiddenLine>
+            </a:ext>
+            <a:ext uri="{AF507438-7753-43E0-B8FC-AC1667EBCBE1}">
+              <a14:hiddenEffects xmlns:a14="http://schemas.microsoft.com/office/drawing/2010/main">
+                <a:effectLst>
+                  <a:outerShdw dist="35921" dir="2700000" algn="ctr" rotWithShape="0">
+                    <a:schemeClr val="bg2"/>
+                  </a:outerShdw>
+                </a:effectLst>
+              </a14:hiddenEffects>
+            </a:ext>
+          </a:extLst>
+        </p:spPr>
+        <p:txBody>
+          <a:bodyPr vert="horz" wrap="none" lIns="91440" tIns="45720" rIns="91440" bIns="45720" numCol="1" anchor="ctr" anchorCtr="0" compatLnSpc="1">
+            <a:prstTxWarp prst="textNoShape">
+              <a:avLst/>
+            </a:prstTxWarp>
+            <a:spAutoFit/>
+          </a:bodyPr>
+          <a:lstStyle/>
+          <a:p>
+            <a:pPr marL="0" marR="0" lvl="0" indent="0" algn="l" defTabSz="914400" rtl="0" eaLnBrk="0" fontAlgn="base" latinLnBrk="0" hangingPunct="0">
+              <a:lnSpc>
+                <a:spcPct val="100000"/>
+              </a:lnSpc>
+              <a:spcBef>
+                <a:spcPct val="0"/>
+              </a:spcBef>
+              <a:spcAft>
+                <a:spcPct val="0"/>
+              </a:spcAft>
+              <a:buClrTx/>
+              <a:buSzTx/>
+              <a:buFontTx/>
+              <a:buNone/>
+              <a:tabLst/>
+            </a:pPr>
+            <a:r>
+              <a:rPr kumimoji="0" lang="en-US" altLang="zh-CN" sz="1000" b="0" i="0" u="none" strike="noStrike" cap="none" normalizeH="0" baseline="0">
+                <a:ln>
+                  <a:noFill/>
+                </a:ln>
+                <a:solidFill>
+                  <a:schemeClr val="tx1"/>
+                </a:solidFill>
+                <a:effectLst/>
+                <a:latin typeface="等线" panose="02010600030101010101" pitchFamily="2" charset="-122"/>
+                <a:ea typeface="等线" panose="02010600030101010101" pitchFamily="2" charset="-122"/>
+                <a:cs typeface="Times New Roman" panose="02020603050405020304" pitchFamily="18" charset="0"/>
+              </a:rPr>
+              <a:t> </a:t>
+            </a:r>
+            <a:endParaRPr kumimoji="0" lang="en-US" altLang="zh-CN" sz="1800" b="0" i="0" u="none" strike="noStrike" cap="none" normalizeH="0" baseline="0">
+              <a:ln>
+                <a:noFill/>
+              </a:ln>
+              <a:solidFill>
+                <a:schemeClr val="tx1"/>
+              </a:solidFill>
+              <a:effectLst/>
+              <a:latin typeface="Arial" panose="020B0604020202020204" pitchFamily="34" charset="0"/>
+            </a:endParaRPr>
+          </a:p>
+        </p:txBody>
+      </p:sp>
+      <p:sp>
+        <p:nvSpPr>
+          <p:cNvPr id="12" name="Rectangle 14">
+            <a:extLst>
+              <a:ext uri="{FF2B5EF4-FFF2-40B4-BE49-F238E27FC236}">
+                <a16:creationId xmlns:a16="http://schemas.microsoft.com/office/drawing/2014/main" id="{D65CA27D-8337-4E28-9BC1-4F42BF631B70}"/>
+              </a:ext>
+            </a:extLst>
+          </p:cNvPr>
+          <p:cNvSpPr>
+            <a:spLocks noChangeArrowheads="1"/>
+          </p:cNvSpPr>
+          <p:nvPr/>
+        </p:nvSpPr>
+        <p:spPr bwMode="auto">
+          <a:xfrm>
+            <a:off x="0" y="3781425"/>
+            <a:ext cx="12192000" cy="0"/>
+          </a:xfrm>
+          <a:prstGeom prst="rect">
+            <a:avLst/>
+          </a:prstGeom>
+          <a:noFill/>
+          <a:ln>
+            <a:noFill/>
+          </a:ln>
+          <a:effectLst/>
+          <a:extLst>
+            <a:ext uri="{909E8E84-426E-40DD-AFC4-6F175D3DCCD1}">
+              <a14:hiddenFill xmlns:a14="http://schemas.microsoft.com/office/drawing/2010/main">
+                <a:solidFill>
+                  <a:schemeClr val="accent1"/>
+                </a:solidFill>
+              </a14:hiddenFill>
+            </a:ext>
+            <a:ext uri="{91240B29-F687-4F45-9708-019B960494DF}">
+              <a14:hiddenLine xmlns:a14="http://schemas.microsoft.com/office/drawing/2010/main" w="9525">
+                <a:solidFill>
+                  <a:schemeClr val="tx1"/>
+                </a:solidFill>
+                <a:miter lim="800000"/>
+                <a:headEnd/>
+                <a:tailEnd/>
+              </a14:hiddenLine>
+            </a:ext>
+            <a:ext uri="{AF507438-7753-43E0-B8FC-AC1667EBCBE1}">
+              <a14:hiddenEffects xmlns:a14="http://schemas.microsoft.com/office/drawing/2010/main">
+                <a:effectLst>
+                  <a:outerShdw dist="35921" dir="2700000" algn="ctr" rotWithShape="0">
+                    <a:schemeClr val="bg2"/>
+                  </a:outerShdw>
+                </a:effectLst>
+              </a14:hiddenEffects>
+            </a:ext>
+          </a:extLst>
+        </p:spPr>
+        <p:txBody>
+          <a:bodyPr vert="horz" wrap="none" lIns="91440" tIns="45720" rIns="91440" bIns="45720" numCol="1" anchor="ctr" anchorCtr="0" compatLnSpc="1">
+            <a:prstTxWarp prst="textNoShape">
+              <a:avLst/>
+            </a:prstTxWarp>
+            <a:spAutoFit/>
+          </a:bodyPr>
+          <a:lstStyle/>
+          <a:p>
+            <a:endParaRPr lang="zh-CN" altLang="en-US"/>
+          </a:p>
+        </p:txBody>
+      </p:sp>
     </p:spTree>
     <p:extLst>
       <p:ext uri="{BB962C8B-B14F-4D97-AF65-F5344CB8AC3E}">
@@ -8631,21 +8987,65 @@
           <a:chExt cx="0" cy="0"/>
         </a:xfrm>
       </p:grpSpPr>
+      <p:sp>
+        <p:nvSpPr>
+          <p:cNvPr id="11" name="箭头: 下 10">
+            <a:extLst>
+              <a:ext uri="{FF2B5EF4-FFF2-40B4-BE49-F238E27FC236}">
+                <a16:creationId xmlns:a16="http://schemas.microsoft.com/office/drawing/2014/main" id="{39C698F8-C48E-4A78-BAD9-30B6A501AF8B}"/>
+              </a:ext>
+            </a:extLst>
+          </p:cNvPr>
+          <p:cNvSpPr/>
+          <p:nvPr/>
+        </p:nvSpPr>
+        <p:spPr>
+          <a:xfrm>
+            <a:off x="5911570" y="1512443"/>
+            <a:ext cx="142043" cy="285771"/>
+          </a:xfrm>
+          <a:prstGeom prst="downArrow">
+            <a:avLst/>
+          </a:prstGeom>
+        </p:spPr>
+        <p:style>
+          <a:lnRef idx="2">
+            <a:schemeClr val="accent1">
+              <a:shade val="50000"/>
+            </a:schemeClr>
+          </a:lnRef>
+          <a:fillRef idx="1">
+            <a:schemeClr val="accent1"/>
+          </a:fillRef>
+          <a:effectRef idx="0">
+            <a:schemeClr val="accent1"/>
+          </a:effectRef>
+          <a:fontRef idx="minor">
+            <a:schemeClr val="lt1"/>
+          </a:fontRef>
+        </p:style>
+        <p:txBody>
+          <a:bodyPr rtlCol="0" anchor="ctr"/>
+          <a:lstStyle/>
+          <a:p>
+            <a:pPr algn="r"/>
+            <a:endParaRPr lang="zh-CN" altLang="en-US"/>
+          </a:p>
+        </p:txBody>
+      </p:sp>
       <p:pic>
         <p:nvPicPr>
-          <p:cNvPr id="9" name="内容占位符 8">
-            <a:extLst>
-              <a:ext uri="{FF2B5EF4-FFF2-40B4-BE49-F238E27FC236}">
-                <a16:creationId xmlns:a16="http://schemas.microsoft.com/office/drawing/2014/main" id="{A0B4BFCC-F0D0-4168-AC2D-E74B05D19155}"/>
+          <p:cNvPr id="12" name="图片 11">
+            <a:extLst>
+              <a:ext uri="{FF2B5EF4-FFF2-40B4-BE49-F238E27FC236}">
+                <a16:creationId xmlns:a16="http://schemas.microsoft.com/office/drawing/2014/main" id="{DFD3E94A-7A5E-4E40-869F-FD9A79FE312D}"/>
               </a:ext>
             </a:extLst>
           </p:cNvPr>
           <p:cNvPicPr>
-            <a:picLocks noGrp="1" noChangeAspect="1"/>
+            <a:picLocks noChangeAspect="1"/>
           </p:cNvPicPr>
-          <p:nvPr>
-            <p:ph idx="1"/>
-          </p:nvPr>
+          <p:nvPr/>
         </p:nvPicPr>
         <p:blipFill>
           <a:blip r:embed="rId2"/>
@@ -8655,20 +9055,110 @@
         </p:blipFill>
         <p:spPr>
           <a:xfrm>
-            <a:off x="4066712" y="1163574"/>
-            <a:ext cx="3752381" cy="371429"/>
+            <a:off x="4066713" y="2560554"/>
+            <a:ext cx="3744000" cy="557751"/>
           </a:xfrm>
           <a:prstGeom prst="rect">
             <a:avLst/>
           </a:prstGeom>
         </p:spPr>
       </p:pic>
-      <p:sp>
-        <p:nvSpPr>
-          <p:cNvPr id="11" name="箭头: 下 10">
-            <a:extLst>
-              <a:ext uri="{FF2B5EF4-FFF2-40B4-BE49-F238E27FC236}">
-                <a16:creationId xmlns:a16="http://schemas.microsoft.com/office/drawing/2014/main" id="{39C698F8-C48E-4A78-BAD9-30B6A501AF8B}"/>
+      <p:pic>
+        <p:nvPicPr>
+          <p:cNvPr id="13" name="图片 12">
+            <a:extLst>
+              <a:ext uri="{FF2B5EF4-FFF2-40B4-BE49-F238E27FC236}">
+                <a16:creationId xmlns:a16="http://schemas.microsoft.com/office/drawing/2014/main" id="{D87C74B1-5084-4586-A931-65E361F90F26}"/>
+              </a:ext>
+            </a:extLst>
+          </p:cNvPr>
+          <p:cNvPicPr>
+            <a:picLocks noChangeAspect="1"/>
+          </p:cNvPicPr>
+          <p:nvPr/>
+        </p:nvPicPr>
+        <p:blipFill>
+          <a:blip r:embed="rId3"/>
+          <a:stretch>
+            <a:fillRect/>
+          </a:stretch>
+        </p:blipFill>
+        <p:spPr>
+          <a:xfrm>
+            <a:off x="4057102" y="1810515"/>
+            <a:ext cx="3708044" cy="539624"/>
+          </a:xfrm>
+          <a:prstGeom prst="rect">
+            <a:avLst/>
+          </a:prstGeom>
+        </p:spPr>
+      </p:pic>
+      <p:pic>
+        <p:nvPicPr>
+          <p:cNvPr id="14" name="图片 13">
+            <a:extLst>
+              <a:ext uri="{FF2B5EF4-FFF2-40B4-BE49-F238E27FC236}">
+                <a16:creationId xmlns:a16="http://schemas.microsoft.com/office/drawing/2014/main" id="{3CAC26D5-F579-4657-9C67-52C498465982}"/>
+              </a:ext>
+            </a:extLst>
+          </p:cNvPr>
+          <p:cNvPicPr>
+            <a:picLocks noChangeAspect="1"/>
+          </p:cNvPicPr>
+          <p:nvPr/>
+        </p:nvPicPr>
+        <p:blipFill>
+          <a:blip r:embed="rId4"/>
+          <a:stretch>
+            <a:fillRect/>
+          </a:stretch>
+        </p:blipFill>
+        <p:spPr>
+          <a:xfrm>
+            <a:off x="4022290" y="3162333"/>
+            <a:ext cx="3780000" cy="537259"/>
+          </a:xfrm>
+          <a:prstGeom prst="rect">
+            <a:avLst/>
+          </a:prstGeom>
+        </p:spPr>
+      </p:pic>
+      <p:pic>
+        <p:nvPicPr>
+          <p:cNvPr id="15" name="图片 14">
+            <a:extLst>
+              <a:ext uri="{FF2B5EF4-FFF2-40B4-BE49-F238E27FC236}">
+                <a16:creationId xmlns:a16="http://schemas.microsoft.com/office/drawing/2014/main" id="{94FCA2BA-C0A6-470C-B5F4-A5C603AB598E}"/>
+              </a:ext>
+            </a:extLst>
+          </p:cNvPr>
+          <p:cNvPicPr>
+            <a:picLocks noChangeAspect="1"/>
+          </p:cNvPicPr>
+          <p:nvPr/>
+        </p:nvPicPr>
+        <p:blipFill>
+          <a:blip r:embed="rId5"/>
+          <a:stretch>
+            <a:fillRect/>
+          </a:stretch>
+        </p:blipFill>
+        <p:spPr>
+          <a:xfrm>
+            <a:off x="4022288" y="3821586"/>
+            <a:ext cx="3762000" cy="545633"/>
+          </a:xfrm>
+          <a:prstGeom prst="rect">
+            <a:avLst/>
+          </a:prstGeom>
+        </p:spPr>
+      </p:pic>
+      <p:sp>
+        <p:nvSpPr>
+          <p:cNvPr id="16" name="箭头: 下 15">
+            <a:extLst>
+              <a:ext uri="{FF2B5EF4-FFF2-40B4-BE49-F238E27FC236}">
+                <a16:creationId xmlns:a16="http://schemas.microsoft.com/office/drawing/2014/main" id="{65F828B2-866C-4347-8588-262FB1E22914}"/>
               </a:ext>
             </a:extLst>
           </p:cNvPr>
@@ -8677,8 +9167,8 @@
         </p:nvSpPr>
         <p:spPr>
           <a:xfrm>
-            <a:off x="5911570" y="1512443"/>
-            <a:ext cx="142043" cy="285771"/>
+            <a:off x="5903288" y="2251281"/>
+            <a:ext cx="142042" cy="285771"/>
           </a:xfrm>
           <a:prstGeom prst="downArrow">
             <a:avLst/>
@@ -8709,102 +9199,104 @@
           </a:p>
         </p:txBody>
       </p:sp>
+      <p:sp>
+        <p:nvSpPr>
+          <p:cNvPr id="17" name="箭头: 下 16">
+            <a:extLst>
+              <a:ext uri="{FF2B5EF4-FFF2-40B4-BE49-F238E27FC236}">
+                <a16:creationId xmlns:a16="http://schemas.microsoft.com/office/drawing/2014/main" id="{8888E0BE-B39F-4DC5-932F-0ACA6FD046E5}"/>
+              </a:ext>
+            </a:extLst>
+          </p:cNvPr>
+          <p:cNvSpPr/>
+          <p:nvPr/>
+        </p:nvSpPr>
+        <p:spPr>
+          <a:xfrm>
+            <a:off x="5903288" y="2909337"/>
+            <a:ext cx="142042" cy="285771"/>
+          </a:xfrm>
+          <a:prstGeom prst="downArrow">
+            <a:avLst/>
+          </a:prstGeom>
+        </p:spPr>
+        <p:style>
+          <a:lnRef idx="2">
+            <a:schemeClr val="accent1">
+              <a:shade val="50000"/>
+            </a:schemeClr>
+          </a:lnRef>
+          <a:fillRef idx="1">
+            <a:schemeClr val="accent1"/>
+          </a:fillRef>
+          <a:effectRef idx="0">
+            <a:schemeClr val="accent1"/>
+          </a:effectRef>
+          <a:fontRef idx="minor">
+            <a:schemeClr val="lt1"/>
+          </a:fontRef>
+        </p:style>
+        <p:txBody>
+          <a:bodyPr rtlCol="0" anchor="ctr"/>
+          <a:lstStyle/>
+          <a:p>
+            <a:pPr algn="r"/>
+            <a:endParaRPr lang="zh-CN" altLang="en-US"/>
+          </a:p>
+        </p:txBody>
+      </p:sp>
+      <p:sp>
+        <p:nvSpPr>
+          <p:cNvPr id="18" name="箭头: 下 17">
+            <a:extLst>
+              <a:ext uri="{FF2B5EF4-FFF2-40B4-BE49-F238E27FC236}">
+                <a16:creationId xmlns:a16="http://schemas.microsoft.com/office/drawing/2014/main" id="{04684557-4E82-417F-8D55-324C82F8BFFA}"/>
+              </a:ext>
+            </a:extLst>
+          </p:cNvPr>
+          <p:cNvSpPr/>
+          <p:nvPr/>
+        </p:nvSpPr>
+        <p:spPr>
+          <a:xfrm>
+            <a:off x="5911124" y="3535815"/>
+            <a:ext cx="142042" cy="285771"/>
+          </a:xfrm>
+          <a:prstGeom prst="downArrow">
+            <a:avLst/>
+          </a:prstGeom>
+        </p:spPr>
+        <p:style>
+          <a:lnRef idx="2">
+            <a:schemeClr val="accent1">
+              <a:shade val="50000"/>
+            </a:schemeClr>
+          </a:lnRef>
+          <a:fillRef idx="1">
+            <a:schemeClr val="accent1"/>
+          </a:fillRef>
+          <a:effectRef idx="0">
+            <a:schemeClr val="accent1"/>
+          </a:effectRef>
+          <a:fontRef idx="minor">
+            <a:schemeClr val="lt1"/>
+          </a:fontRef>
+        </p:style>
+        <p:txBody>
+          <a:bodyPr rtlCol="0" anchor="ctr"/>
+          <a:lstStyle/>
+          <a:p>
+            <a:pPr algn="r"/>
+            <a:endParaRPr lang="zh-CN" altLang="en-US"/>
+          </a:p>
+        </p:txBody>
+      </p:sp>
       <p:pic>
         <p:nvPicPr>
-          <p:cNvPr id="12" name="图片 11">
-            <a:extLst>
-              <a:ext uri="{FF2B5EF4-FFF2-40B4-BE49-F238E27FC236}">
-                <a16:creationId xmlns:a16="http://schemas.microsoft.com/office/drawing/2014/main" id="{DFD3E94A-7A5E-4E40-869F-FD9A79FE312D}"/>
-              </a:ext>
-            </a:extLst>
-          </p:cNvPr>
-          <p:cNvPicPr>
-            <a:picLocks noChangeAspect="1"/>
-          </p:cNvPicPr>
-          <p:nvPr/>
-        </p:nvPicPr>
-        <p:blipFill>
-          <a:blip r:embed="rId3"/>
-          <a:stretch>
-            <a:fillRect/>
-          </a:stretch>
-        </p:blipFill>
-        <p:spPr>
-          <a:xfrm>
-            <a:off x="4066713" y="2560554"/>
-            <a:ext cx="3744000" cy="557751"/>
-          </a:xfrm>
-          <a:prstGeom prst="rect">
-            <a:avLst/>
-          </a:prstGeom>
-        </p:spPr>
-      </p:pic>
-      <p:pic>
-        <p:nvPicPr>
-          <p:cNvPr id="13" name="图片 12">
-            <a:extLst>
-              <a:ext uri="{FF2B5EF4-FFF2-40B4-BE49-F238E27FC236}">
-                <a16:creationId xmlns:a16="http://schemas.microsoft.com/office/drawing/2014/main" id="{D87C74B1-5084-4586-A931-65E361F90F26}"/>
-              </a:ext>
-            </a:extLst>
-          </p:cNvPr>
-          <p:cNvPicPr>
-            <a:picLocks noChangeAspect="1"/>
-          </p:cNvPicPr>
-          <p:nvPr/>
-        </p:nvPicPr>
-        <p:blipFill>
-          <a:blip r:embed="rId4"/>
-          <a:stretch>
-            <a:fillRect/>
-          </a:stretch>
-        </p:blipFill>
-        <p:spPr>
-          <a:xfrm>
-            <a:off x="4057102" y="1810515"/>
-            <a:ext cx="3708044" cy="539624"/>
-          </a:xfrm>
-          <a:prstGeom prst="rect">
-            <a:avLst/>
-          </a:prstGeom>
-        </p:spPr>
-      </p:pic>
-      <p:pic>
-        <p:nvPicPr>
-          <p:cNvPr id="14" name="图片 13">
-            <a:extLst>
-              <a:ext uri="{FF2B5EF4-FFF2-40B4-BE49-F238E27FC236}">
-                <a16:creationId xmlns:a16="http://schemas.microsoft.com/office/drawing/2014/main" id="{3CAC26D5-F579-4657-9C67-52C498465982}"/>
-              </a:ext>
-            </a:extLst>
-          </p:cNvPr>
-          <p:cNvPicPr>
-            <a:picLocks noChangeAspect="1"/>
-          </p:cNvPicPr>
-          <p:nvPr/>
-        </p:nvPicPr>
-        <p:blipFill>
-          <a:blip r:embed="rId5"/>
-          <a:stretch>
-            <a:fillRect/>
-          </a:stretch>
-        </p:blipFill>
-        <p:spPr>
-          <a:xfrm>
-            <a:off x="4022290" y="3162333"/>
-            <a:ext cx="3780000" cy="537259"/>
-          </a:xfrm>
-          <a:prstGeom prst="rect">
-            <a:avLst/>
-          </a:prstGeom>
-        </p:spPr>
-      </p:pic>
-      <p:pic>
-        <p:nvPicPr>
-          <p:cNvPr id="15" name="图片 14">
-            <a:extLst>
-              <a:ext uri="{FF2B5EF4-FFF2-40B4-BE49-F238E27FC236}">
-                <a16:creationId xmlns:a16="http://schemas.microsoft.com/office/drawing/2014/main" id="{94FCA2BA-C0A6-470C-B5F4-A5C603AB598E}"/>
+          <p:cNvPr id="7" name="图片 6">
+            <a:extLst>
+              <a:ext uri="{FF2B5EF4-FFF2-40B4-BE49-F238E27FC236}">
+                <a16:creationId xmlns:a16="http://schemas.microsoft.com/office/drawing/2014/main" id="{D35CD9DE-4113-4CAE-8241-E46AE39782F2}"/>
               </a:ext>
             </a:extLst>
           </p:cNvPr>
@@ -8821,152 +9313,14 @@
         </p:blipFill>
         <p:spPr>
           <a:xfrm>
-            <a:off x="4022288" y="3821586"/>
-            <a:ext cx="3762000" cy="545633"/>
+            <a:off x="4066678" y="1248165"/>
+            <a:ext cx="3695238" cy="304762"/>
           </a:xfrm>
           <a:prstGeom prst="rect">
             <a:avLst/>
           </a:prstGeom>
         </p:spPr>
       </p:pic>
-      <p:sp>
-        <p:nvSpPr>
-          <p:cNvPr id="16" name="箭头: 下 15">
-            <a:extLst>
-              <a:ext uri="{FF2B5EF4-FFF2-40B4-BE49-F238E27FC236}">
-                <a16:creationId xmlns:a16="http://schemas.microsoft.com/office/drawing/2014/main" id="{65F828B2-866C-4347-8588-262FB1E22914}"/>
-              </a:ext>
-            </a:extLst>
-          </p:cNvPr>
-          <p:cNvSpPr/>
-          <p:nvPr/>
-        </p:nvSpPr>
-        <p:spPr>
-          <a:xfrm>
-            <a:off x="5903288" y="2251281"/>
-            <a:ext cx="142042" cy="285771"/>
-          </a:xfrm>
-          <a:prstGeom prst="downArrow">
-            <a:avLst/>
-          </a:prstGeom>
-        </p:spPr>
-        <p:style>
-          <a:lnRef idx="2">
-            <a:schemeClr val="accent1">
-              <a:shade val="50000"/>
-            </a:schemeClr>
-          </a:lnRef>
-          <a:fillRef idx="1">
-            <a:schemeClr val="accent1"/>
-          </a:fillRef>
-          <a:effectRef idx="0">
-            <a:schemeClr val="accent1"/>
-          </a:effectRef>
-          <a:fontRef idx="minor">
-            <a:schemeClr val="lt1"/>
-          </a:fontRef>
-        </p:style>
-        <p:txBody>
-          <a:bodyPr rtlCol="0" anchor="ctr"/>
-          <a:lstStyle/>
-          <a:p>
-            <a:pPr algn="r"/>
-            <a:endParaRPr lang="zh-CN" altLang="en-US"/>
-          </a:p>
-        </p:txBody>
-      </p:sp>
-      <p:sp>
-        <p:nvSpPr>
-          <p:cNvPr id="17" name="箭头: 下 16">
-            <a:extLst>
-              <a:ext uri="{FF2B5EF4-FFF2-40B4-BE49-F238E27FC236}">
-                <a16:creationId xmlns:a16="http://schemas.microsoft.com/office/drawing/2014/main" id="{8888E0BE-B39F-4DC5-932F-0ACA6FD046E5}"/>
-              </a:ext>
-            </a:extLst>
-          </p:cNvPr>
-          <p:cNvSpPr/>
-          <p:nvPr/>
-        </p:nvSpPr>
-        <p:spPr>
-          <a:xfrm>
-            <a:off x="5903288" y="2909337"/>
-            <a:ext cx="142042" cy="285771"/>
-          </a:xfrm>
-          <a:prstGeom prst="downArrow">
-            <a:avLst/>
-          </a:prstGeom>
-        </p:spPr>
-        <p:style>
-          <a:lnRef idx="2">
-            <a:schemeClr val="accent1">
-              <a:shade val="50000"/>
-            </a:schemeClr>
-          </a:lnRef>
-          <a:fillRef idx="1">
-            <a:schemeClr val="accent1"/>
-          </a:fillRef>
-          <a:effectRef idx="0">
-            <a:schemeClr val="accent1"/>
-          </a:effectRef>
-          <a:fontRef idx="minor">
-            <a:schemeClr val="lt1"/>
-          </a:fontRef>
-        </p:style>
-        <p:txBody>
-          <a:bodyPr rtlCol="0" anchor="ctr"/>
-          <a:lstStyle/>
-          <a:p>
-            <a:pPr algn="r"/>
-            <a:endParaRPr lang="zh-CN" altLang="en-US"/>
-          </a:p>
-        </p:txBody>
-      </p:sp>
-      <p:sp>
-        <p:nvSpPr>
-          <p:cNvPr id="18" name="箭头: 下 17">
-            <a:extLst>
-              <a:ext uri="{FF2B5EF4-FFF2-40B4-BE49-F238E27FC236}">
-                <a16:creationId xmlns:a16="http://schemas.microsoft.com/office/drawing/2014/main" id="{04684557-4E82-417F-8D55-324C82F8BFFA}"/>
-              </a:ext>
-            </a:extLst>
-          </p:cNvPr>
-          <p:cNvSpPr/>
-          <p:nvPr/>
-        </p:nvSpPr>
-        <p:spPr>
-          <a:xfrm>
-            <a:off x="5911124" y="3535815"/>
-            <a:ext cx="142042" cy="285771"/>
-          </a:xfrm>
-          <a:prstGeom prst="downArrow">
-            <a:avLst/>
-          </a:prstGeom>
-        </p:spPr>
-        <p:style>
-          <a:lnRef idx="2">
-            <a:schemeClr val="accent1">
-              <a:shade val="50000"/>
-            </a:schemeClr>
-          </a:lnRef>
-          <a:fillRef idx="1">
-            <a:schemeClr val="accent1"/>
-          </a:fillRef>
-          <a:effectRef idx="0">
-            <a:schemeClr val="accent1"/>
-          </a:effectRef>
-          <a:fontRef idx="minor">
-            <a:schemeClr val="lt1"/>
-          </a:fontRef>
-        </p:style>
-        <p:txBody>
-          <a:bodyPr rtlCol="0" anchor="ctr"/>
-          <a:lstStyle/>
-          <a:p>
-            <a:pPr algn="r"/>
-            <a:endParaRPr lang="zh-CN" altLang="en-US"/>
-          </a:p>
-        </p:txBody>
-      </p:sp>
     </p:spTree>
     <p:extLst>
       <p:ext uri="{BB962C8B-B14F-4D97-AF65-F5344CB8AC3E}">
